--- a/django_learn.pptx
+++ b/django_learn.pptx
@@ -280,7 +280,7 @@
           <a:p>
             <a:fld id="{097189E2-39A2-495F-BF19-3D1BAB83AFEC}" type="datetimeFigureOut">
               <a:rPr lang="zh-CN" altLang="en-US" smtClean="0"/>
-              <a:t>2019/8/26 Monday</a:t>
+              <a:t>2019/9/1 Sunday</a:t>
             </a:fld>
             <a:endParaRPr lang="zh-CN" altLang="en-US"/>
           </a:p>
@@ -478,7 +478,7 @@
           <a:p>
             <a:fld id="{097189E2-39A2-495F-BF19-3D1BAB83AFEC}" type="datetimeFigureOut">
               <a:rPr lang="zh-CN" altLang="en-US" smtClean="0"/>
-              <a:t>2019/8/26 Monday</a:t>
+              <a:t>2019/9/1 Sunday</a:t>
             </a:fld>
             <a:endParaRPr lang="zh-CN" altLang="en-US"/>
           </a:p>
@@ -686,7 +686,7 @@
           <a:p>
             <a:fld id="{097189E2-39A2-495F-BF19-3D1BAB83AFEC}" type="datetimeFigureOut">
               <a:rPr lang="zh-CN" altLang="en-US" smtClean="0"/>
-              <a:t>2019/8/26 Monday</a:t>
+              <a:t>2019/9/1 Sunday</a:t>
             </a:fld>
             <a:endParaRPr lang="zh-CN" altLang="en-US"/>
           </a:p>
@@ -884,7 +884,7 @@
           <a:p>
             <a:fld id="{097189E2-39A2-495F-BF19-3D1BAB83AFEC}" type="datetimeFigureOut">
               <a:rPr lang="zh-CN" altLang="en-US" smtClean="0"/>
-              <a:t>2019/8/26 Monday</a:t>
+              <a:t>2019/9/1 Sunday</a:t>
             </a:fld>
             <a:endParaRPr lang="zh-CN" altLang="en-US"/>
           </a:p>
@@ -1159,7 +1159,7 @@
           <a:p>
             <a:fld id="{097189E2-39A2-495F-BF19-3D1BAB83AFEC}" type="datetimeFigureOut">
               <a:rPr lang="zh-CN" altLang="en-US" smtClean="0"/>
-              <a:t>2019/8/26 Monday</a:t>
+              <a:t>2019/9/1 Sunday</a:t>
             </a:fld>
             <a:endParaRPr lang="zh-CN" altLang="en-US"/>
           </a:p>
@@ -1424,7 +1424,7 @@
           <a:p>
             <a:fld id="{097189E2-39A2-495F-BF19-3D1BAB83AFEC}" type="datetimeFigureOut">
               <a:rPr lang="zh-CN" altLang="en-US" smtClean="0"/>
-              <a:t>2019/8/26 Monday</a:t>
+              <a:t>2019/9/1 Sunday</a:t>
             </a:fld>
             <a:endParaRPr lang="zh-CN" altLang="en-US"/>
           </a:p>
@@ -1836,7 +1836,7 @@
           <a:p>
             <a:fld id="{097189E2-39A2-495F-BF19-3D1BAB83AFEC}" type="datetimeFigureOut">
               <a:rPr lang="zh-CN" altLang="en-US" smtClean="0"/>
-              <a:t>2019/8/26 Monday</a:t>
+              <a:t>2019/9/1 Sunday</a:t>
             </a:fld>
             <a:endParaRPr lang="zh-CN" altLang="en-US"/>
           </a:p>
@@ -1977,7 +1977,7 @@
           <a:p>
             <a:fld id="{097189E2-39A2-495F-BF19-3D1BAB83AFEC}" type="datetimeFigureOut">
               <a:rPr lang="zh-CN" altLang="en-US" smtClean="0"/>
-              <a:t>2019/8/26 Monday</a:t>
+              <a:t>2019/9/1 Sunday</a:t>
             </a:fld>
             <a:endParaRPr lang="zh-CN" altLang="en-US"/>
           </a:p>
@@ -2090,7 +2090,7 @@
           <a:p>
             <a:fld id="{097189E2-39A2-495F-BF19-3D1BAB83AFEC}" type="datetimeFigureOut">
               <a:rPr lang="zh-CN" altLang="en-US" smtClean="0"/>
-              <a:t>2019/8/26 Monday</a:t>
+              <a:t>2019/9/1 Sunday</a:t>
             </a:fld>
             <a:endParaRPr lang="zh-CN" altLang="en-US"/>
           </a:p>
@@ -2401,7 +2401,7 @@
           <a:p>
             <a:fld id="{097189E2-39A2-495F-BF19-3D1BAB83AFEC}" type="datetimeFigureOut">
               <a:rPr lang="zh-CN" altLang="en-US" smtClean="0"/>
-              <a:t>2019/8/26 Monday</a:t>
+              <a:t>2019/9/1 Sunday</a:t>
             </a:fld>
             <a:endParaRPr lang="zh-CN" altLang="en-US"/>
           </a:p>
@@ -2689,7 +2689,7 @@
           <a:p>
             <a:fld id="{097189E2-39A2-495F-BF19-3D1BAB83AFEC}" type="datetimeFigureOut">
               <a:rPr lang="zh-CN" altLang="en-US" smtClean="0"/>
-              <a:t>2019/8/26 Monday</a:t>
+              <a:t>2019/9/1 Sunday</a:t>
             </a:fld>
             <a:endParaRPr lang="zh-CN" altLang="en-US"/>
           </a:p>
@@ -2930,7 +2930,7 @@
           <a:p>
             <a:fld id="{097189E2-39A2-495F-BF19-3D1BAB83AFEC}" type="datetimeFigureOut">
               <a:rPr lang="zh-CN" altLang="en-US" smtClean="0"/>
-              <a:t>2019/8/26 Monday</a:t>
+              <a:t>2019/9/1 Sunday</a:t>
             </a:fld>
             <a:endParaRPr lang="zh-CN" altLang="en-US"/>
           </a:p>
@@ -3754,6 +3754,60 @@
           <a:chExt cx="0" cy="0"/>
         </a:xfrm>
       </p:grpSpPr>
+      <p:sp>
+        <p:nvSpPr>
+          <p:cNvPr id="2" name="矩形 1">
+            <a:extLst>
+              <a:ext uri="{FF2B5EF4-FFF2-40B4-BE49-F238E27FC236}">
+                <a16:creationId xmlns:a16="http://schemas.microsoft.com/office/drawing/2014/main" id="{1C5CC808-370A-4C34-8B52-7733B0FF15BA}"/>
+              </a:ext>
+            </a:extLst>
+          </p:cNvPr>
+          <p:cNvSpPr/>
+          <p:nvPr/>
+        </p:nvSpPr>
+        <p:spPr>
+          <a:xfrm>
+            <a:off x="2887429" y="2967335"/>
+            <a:ext cx="6417142" cy="923330"/>
+          </a:xfrm>
+          <a:prstGeom prst="rect">
+            <a:avLst/>
+          </a:prstGeom>
+          <a:noFill/>
+        </p:spPr>
+        <p:txBody>
+          <a:bodyPr wrap="none" lIns="91440" tIns="45720" rIns="91440" bIns="45720">
+            <a:spAutoFit/>
+          </a:bodyPr>
+          <a:lstStyle/>
+          <a:p>
+            <a:pPr algn="ctr"/>
+            <a:r>
+              <a:rPr lang="zh-CN" altLang="en-US" sz="5400" b="1" cap="none" spc="0" dirty="0">
+                <a:ln w="9525">
+                  <a:solidFill>
+                    <a:schemeClr val="bg1"/>
+                  </a:solidFill>
+                  <a:prstDash val="solid"/>
+                </a:ln>
+                <a:solidFill>
+                  <a:schemeClr val="accent5"/>
+                </a:solidFill>
+                <a:effectLst>
+                  <a:outerShdw blurRad="12700" dist="38100" dir="2700000" algn="tl" rotWithShape="0">
+                    <a:schemeClr val="accent5">
+                      <a:lumMod val="60000"/>
+                      <a:lumOff val="40000"/>
+                    </a:schemeClr>
+                  </a:outerShdw>
+                </a:effectLst>
+              </a:rPr>
+              <a:t>如何将一个网页加入</a:t>
+            </a:r>
+          </a:p>
+        </p:txBody>
+      </p:sp>
     </p:spTree>
     <p:extLst>
       <p:ext uri="{BB962C8B-B14F-4D97-AF65-F5344CB8AC3E}">
@@ -3784,6 +3838,75 @@
           <a:chExt cx="0" cy="0"/>
         </a:xfrm>
       </p:grpSpPr>
+      <p:sp>
+        <p:nvSpPr>
+          <p:cNvPr id="2" name="文本框 1">
+            <a:extLst>
+              <a:ext uri="{FF2B5EF4-FFF2-40B4-BE49-F238E27FC236}">
+                <a16:creationId xmlns:a16="http://schemas.microsoft.com/office/drawing/2014/main" id="{E219DA22-2DB9-41DC-A94B-B7AF356267F6}"/>
+              </a:ext>
+            </a:extLst>
+          </p:cNvPr>
+          <p:cNvSpPr txBox="1"/>
+          <p:nvPr/>
+        </p:nvSpPr>
+        <p:spPr>
+          <a:xfrm>
+            <a:off x="500185" y="726831"/>
+            <a:ext cx="4345353" cy="1200329"/>
+          </a:xfrm>
+          <a:prstGeom prst="rect">
+            <a:avLst/>
+          </a:prstGeom>
+          <a:noFill/>
+        </p:spPr>
+        <p:txBody>
+          <a:bodyPr wrap="square" rtlCol="0">
+            <a:spAutoFit/>
+          </a:bodyPr>
+          <a:lstStyle/>
+          <a:p>
+            <a:r>
+              <a:rPr lang="en-US" altLang="zh-CN" dirty="0"/>
+              <a:t>1.Template/xxx.html </a:t>
+            </a:r>
+            <a:r>
+              <a:rPr lang="zh-CN" altLang="en-US" dirty="0"/>
+              <a:t>网页</a:t>
+            </a:r>
+            <a:endParaRPr lang="en-US" altLang="zh-CN" dirty="0"/>
+          </a:p>
+          <a:p>
+            <a:r>
+              <a:rPr lang="en-US" altLang="zh-CN" dirty="0"/>
+              <a:t>2.appname/view.py </a:t>
+            </a:r>
+            <a:r>
+              <a:rPr lang="zh-CN" altLang="en-US" dirty="0"/>
+              <a:t>驱动</a:t>
+            </a:r>
+            <a:endParaRPr lang="en-US" altLang="zh-CN" dirty="0"/>
+          </a:p>
+          <a:p>
+            <a:r>
+              <a:rPr lang="en-US" altLang="zh-CN" dirty="0"/>
+              <a:t>3.appname/url.py </a:t>
+            </a:r>
+            <a:r>
+              <a:rPr lang="zh-CN" altLang="en-US" dirty="0"/>
+              <a:t>配置文件</a:t>
+            </a:r>
+            <a:endParaRPr lang="en-US" altLang="zh-CN" dirty="0"/>
+          </a:p>
+          <a:p>
+            <a:r>
+              <a:rPr lang="en-US" altLang="zh-CN" dirty="0"/>
+              <a:t>4.Appname/model.py</a:t>
+            </a:r>
+            <a:endParaRPr lang="zh-CN" altLang="en-US" dirty="0"/>
+          </a:p>
+        </p:txBody>
+      </p:sp>
     </p:spTree>
     <p:extLst>
       <p:ext uri="{BB962C8B-B14F-4D97-AF65-F5344CB8AC3E}">
